--- a/Documents/Produktpraesentation.pptx
+++ b/Documents/Produktpraesentation.pptx
@@ -9,6 +9,13 @@
     <p:sldId id="259" r:id="rId3"/>
     <p:sldId id="256" r:id="rId4"/>
     <p:sldId id="258" r:id="rId5"/>
+    <p:sldId id="262" r:id="rId6"/>
+    <p:sldId id="263" r:id="rId7"/>
+    <p:sldId id="260" r:id="rId8"/>
+    <p:sldId id="261" r:id="rId9"/>
+    <p:sldId id="265" r:id="rId10"/>
+    <p:sldId id="264" r:id="rId11"/>
+    <p:sldId id="266" r:id="rId12"/>
   </p:sldIdLst>
   <p:sldSz cx="12192000" cy="6858000"/>
   <p:notesSz cx="6858000" cy="9144000"/>
@@ -262,7 +269,7 @@
           <a:p>
             <a:fld id="{D35F0AEC-383F-454E-A705-4691E4E02C37}" type="datetimeFigureOut">
               <a:rPr lang="de-DE" smtClean="0"/>
-              <a:t>03.04.2022</a:t>
+              <a:t>09.04.2022</a:t>
             </a:fld>
             <a:endParaRPr lang="de-DE"/>
           </a:p>
@@ -460,7 +467,7 @@
           <a:p>
             <a:fld id="{D35F0AEC-383F-454E-A705-4691E4E02C37}" type="datetimeFigureOut">
               <a:rPr lang="de-DE" smtClean="0"/>
-              <a:t>03.04.2022</a:t>
+              <a:t>09.04.2022</a:t>
             </a:fld>
             <a:endParaRPr lang="de-DE"/>
           </a:p>
@@ -668,7 +675,7 @@
           <a:p>
             <a:fld id="{D35F0AEC-383F-454E-A705-4691E4E02C37}" type="datetimeFigureOut">
               <a:rPr lang="de-DE" smtClean="0"/>
-              <a:t>03.04.2022</a:t>
+              <a:t>09.04.2022</a:t>
             </a:fld>
             <a:endParaRPr lang="de-DE"/>
           </a:p>
@@ -866,7 +873,7 @@
           <a:p>
             <a:fld id="{D35F0AEC-383F-454E-A705-4691E4E02C37}" type="datetimeFigureOut">
               <a:rPr lang="de-DE" smtClean="0"/>
-              <a:t>03.04.2022</a:t>
+              <a:t>09.04.2022</a:t>
             </a:fld>
             <a:endParaRPr lang="de-DE"/>
           </a:p>
@@ -1141,7 +1148,7 @@
           <a:p>
             <a:fld id="{D35F0AEC-383F-454E-A705-4691E4E02C37}" type="datetimeFigureOut">
               <a:rPr lang="de-DE" smtClean="0"/>
-              <a:t>03.04.2022</a:t>
+              <a:t>09.04.2022</a:t>
             </a:fld>
             <a:endParaRPr lang="de-DE"/>
           </a:p>
@@ -1406,7 +1413,7 @@
           <a:p>
             <a:fld id="{D35F0AEC-383F-454E-A705-4691E4E02C37}" type="datetimeFigureOut">
               <a:rPr lang="de-DE" smtClean="0"/>
-              <a:t>03.04.2022</a:t>
+              <a:t>09.04.2022</a:t>
             </a:fld>
             <a:endParaRPr lang="de-DE"/>
           </a:p>
@@ -1818,7 +1825,7 @@
           <a:p>
             <a:fld id="{D35F0AEC-383F-454E-A705-4691E4E02C37}" type="datetimeFigureOut">
               <a:rPr lang="de-DE" smtClean="0"/>
-              <a:t>03.04.2022</a:t>
+              <a:t>09.04.2022</a:t>
             </a:fld>
             <a:endParaRPr lang="de-DE"/>
           </a:p>
@@ -1959,7 +1966,7 @@
           <a:p>
             <a:fld id="{D35F0AEC-383F-454E-A705-4691E4E02C37}" type="datetimeFigureOut">
               <a:rPr lang="de-DE" smtClean="0"/>
-              <a:t>03.04.2022</a:t>
+              <a:t>09.04.2022</a:t>
             </a:fld>
             <a:endParaRPr lang="de-DE"/>
           </a:p>
@@ -2072,7 +2079,7 @@
           <a:p>
             <a:fld id="{D35F0AEC-383F-454E-A705-4691E4E02C37}" type="datetimeFigureOut">
               <a:rPr lang="de-DE" smtClean="0"/>
-              <a:t>03.04.2022</a:t>
+              <a:t>09.04.2022</a:t>
             </a:fld>
             <a:endParaRPr lang="de-DE"/>
           </a:p>
@@ -2383,7 +2390,7 @@
           <a:p>
             <a:fld id="{D35F0AEC-383F-454E-A705-4691E4E02C37}" type="datetimeFigureOut">
               <a:rPr lang="de-DE" smtClean="0"/>
-              <a:t>03.04.2022</a:t>
+              <a:t>09.04.2022</a:t>
             </a:fld>
             <a:endParaRPr lang="de-DE"/>
           </a:p>
@@ -2671,7 +2678,7 @@
           <a:p>
             <a:fld id="{D35F0AEC-383F-454E-A705-4691E4E02C37}" type="datetimeFigureOut">
               <a:rPr lang="de-DE" smtClean="0"/>
-              <a:t>03.04.2022</a:t>
+              <a:t>09.04.2022</a:t>
             </a:fld>
             <a:endParaRPr lang="de-DE"/>
           </a:p>
@@ -2912,7 +2919,7 @@
           <a:p>
             <a:fld id="{D35F0AEC-383F-454E-A705-4691E4E02C37}" type="datetimeFigureOut">
               <a:rPr lang="de-DE" smtClean="0"/>
-              <a:t>03.04.2022</a:t>
+              <a:t>09.04.2022</a:t>
             </a:fld>
             <a:endParaRPr lang="de-DE"/>
           </a:p>
@@ -3433,6 +3440,338 @@
 </p:sld>
 </file>
 
+<file path=ppt/slides/slide10.xml><?xml version="1.0" encoding="utf-8"?>
+<p:sld xmlns:a="http://schemas.openxmlformats.org/drawingml/2006/main" xmlns:r="http://schemas.openxmlformats.org/officeDocument/2006/relationships" xmlns:p="http://schemas.openxmlformats.org/presentationml/2006/main">
+  <p:cSld>
+    <p:spTree>
+      <p:nvGrpSpPr>
+        <p:cNvPr id="1" name=""/>
+        <p:cNvGrpSpPr/>
+        <p:nvPr/>
+      </p:nvGrpSpPr>
+      <p:grpSpPr>
+        <a:xfrm>
+          <a:off x="0" y="0"/>
+          <a:ext cx="0" cy="0"/>
+          <a:chOff x="0" y="0"/>
+          <a:chExt cx="0" cy="0"/>
+        </a:xfrm>
+      </p:grpSpPr>
+      <p:sp>
+        <p:nvSpPr>
+          <p:cNvPr id="9" name="Textfeld 8">
+            <a:extLst>
+              <a:ext uri="{FF2B5EF4-FFF2-40B4-BE49-F238E27FC236}">
+                <a16:creationId xmlns:a16="http://schemas.microsoft.com/office/drawing/2014/main" id="{99EF8AE6-2CAB-42B6-ADF7-989657C39A05}"/>
+              </a:ext>
+            </a:extLst>
+          </p:cNvPr>
+          <p:cNvSpPr txBox="1"/>
+          <p:nvPr/>
+        </p:nvSpPr>
+        <p:spPr>
+          <a:xfrm>
+            <a:off x="411891" y="197937"/>
+            <a:ext cx="7672259" cy="923330"/>
+          </a:xfrm>
+          <a:prstGeom prst="rect">
+            <a:avLst/>
+          </a:prstGeom>
+          <a:noFill/>
+        </p:spPr>
+        <p:txBody>
+          <a:bodyPr wrap="square" rtlCol="0">
+            <a:spAutoFit/>
+          </a:bodyPr>
+          <a:lstStyle/>
+          <a:p>
+            <a:r>
+              <a:rPr lang="de-DE" sz="5400" b="1" dirty="0">
+                <a:solidFill>
+                  <a:srgbClr val="5C5D8D"/>
+                </a:solidFill>
+              </a:rPr>
+              <a:t>Random Forest</a:t>
+            </a:r>
+          </a:p>
+        </p:txBody>
+      </p:sp>
+      <p:sp>
+        <p:nvSpPr>
+          <p:cNvPr id="10" name="Textfeld 9">
+            <a:extLst>
+              <a:ext uri="{FF2B5EF4-FFF2-40B4-BE49-F238E27FC236}">
+                <a16:creationId xmlns:a16="http://schemas.microsoft.com/office/drawing/2014/main" id="{8FB7EB10-123C-4822-A7C3-B3A38E843864}"/>
+              </a:ext>
+            </a:extLst>
+          </p:cNvPr>
+          <p:cNvSpPr txBox="1"/>
+          <p:nvPr/>
+        </p:nvSpPr>
+        <p:spPr>
+          <a:xfrm>
+            <a:off x="411891" y="1154664"/>
+            <a:ext cx="8381380" cy="5262979"/>
+          </a:xfrm>
+          <a:prstGeom prst="rect">
+            <a:avLst/>
+          </a:prstGeom>
+          <a:noFill/>
+        </p:spPr>
+        <p:txBody>
+          <a:bodyPr wrap="square" rtlCol="0">
+            <a:spAutoFit/>
+          </a:bodyPr>
+          <a:lstStyle/>
+          <a:p>
+            <a:pPr marL="457200" indent="-457200">
+              <a:buFont typeface="Arial" panose="020B0604020202020204" pitchFamily="34" charset="0"/>
+              <a:buChar char="•"/>
+            </a:pPr>
+            <a:r>
+              <a:rPr lang="de-DE" sz="2800" dirty="0">
+                <a:solidFill>
+                  <a:srgbClr val="5C5D8D"/>
+                </a:solidFill>
+              </a:rPr>
+              <a:t>Gehört zu den Ensemble-Modellen</a:t>
+            </a:r>
+          </a:p>
+          <a:p>
+            <a:endParaRPr lang="de-DE" sz="2800" dirty="0">
+              <a:solidFill>
+                <a:srgbClr val="5C5D8D"/>
+              </a:solidFill>
+            </a:endParaRPr>
+          </a:p>
+          <a:p>
+            <a:r>
+              <a:rPr lang="de-DE" sz="2800" dirty="0">
+                <a:solidFill>
+                  <a:srgbClr val="5C5D8D"/>
+                </a:solidFill>
+              </a:rPr>
+              <a:t>Training</a:t>
+            </a:r>
+          </a:p>
+          <a:p>
+            <a:pPr marL="457200" indent="-457200">
+              <a:buFont typeface="Arial" panose="020B0604020202020204" pitchFamily="34" charset="0"/>
+              <a:buChar char="•"/>
+            </a:pPr>
+            <a:r>
+              <a:rPr lang="de-DE" sz="2800" dirty="0">
+                <a:solidFill>
+                  <a:srgbClr val="5C5D8D"/>
+                </a:solidFill>
+              </a:rPr>
+              <a:t>Generieren von B Bootstrap Samples</a:t>
+            </a:r>
+          </a:p>
+          <a:p>
+            <a:pPr marL="457200" indent="-457200">
+              <a:buFont typeface="Arial" panose="020B0604020202020204" pitchFamily="34" charset="0"/>
+              <a:buChar char="•"/>
+            </a:pPr>
+            <a:r>
+              <a:rPr lang="de-DE" sz="2800" dirty="0">
+                <a:solidFill>
+                  <a:srgbClr val="5C5D8D"/>
+                </a:solidFill>
+              </a:rPr>
+              <a:t>Trainieren von B Entscheidungsbäume</a:t>
+            </a:r>
+          </a:p>
+          <a:p>
+            <a:pPr marL="457200" indent="-457200">
+              <a:buFont typeface="Arial" panose="020B0604020202020204" pitchFamily="34" charset="0"/>
+              <a:buChar char="•"/>
+            </a:pPr>
+            <a:r>
+              <a:rPr lang="de-DE" sz="2800" dirty="0">
+                <a:solidFill>
+                  <a:srgbClr val="5C5D8D"/>
+                </a:solidFill>
+              </a:rPr>
+              <a:t>Beim Training der Bäume wird bei jedem Split nur zufällig ausgewählte Stichprobe von m Features in Betracht gezogen</a:t>
+            </a:r>
+          </a:p>
+          <a:p>
+            <a:pPr marL="457200" indent="-457200">
+              <a:buFont typeface="Arial" panose="020B0604020202020204" pitchFamily="34" charset="0"/>
+              <a:buChar char="•"/>
+            </a:pPr>
+            <a:endParaRPr lang="de-DE" sz="2800" dirty="0">
+              <a:solidFill>
+                <a:srgbClr val="5C5D8D"/>
+              </a:solidFill>
+            </a:endParaRPr>
+          </a:p>
+          <a:p>
+            <a:r>
+              <a:rPr lang="de-DE" sz="2800" dirty="0">
+                <a:solidFill>
+                  <a:srgbClr val="5C5D8D"/>
+                </a:solidFill>
+              </a:rPr>
+              <a:t>Vorhersage</a:t>
+            </a:r>
+          </a:p>
+          <a:p>
+            <a:pPr marL="457200" indent="-457200">
+              <a:buFont typeface="Arial" panose="020B0604020202020204" pitchFamily="34" charset="0"/>
+              <a:buChar char="•"/>
+            </a:pPr>
+            <a:r>
+              <a:rPr lang="de-DE" sz="2800" dirty="0">
+                <a:solidFill>
+                  <a:srgbClr val="5C5D8D"/>
+                </a:solidFill>
+              </a:rPr>
+              <a:t>Aggregiere Einzelvorhersage zu Gesamtvorhersage (Hier: Mehrheitsvotum für Klassifizierung) </a:t>
+            </a:r>
+          </a:p>
+        </p:txBody>
+      </p:sp>
+    </p:spTree>
+    <p:extLst>
+      <p:ext uri="{BB962C8B-B14F-4D97-AF65-F5344CB8AC3E}">
+        <p14:creationId xmlns:p14="http://schemas.microsoft.com/office/powerpoint/2010/main" val="1312269276"/>
+      </p:ext>
+    </p:extLst>
+  </p:cSld>
+  <p:clrMapOvr>
+    <a:masterClrMapping/>
+  </p:clrMapOvr>
+</p:sld>
+</file>
+
+<file path=ppt/slides/slide11.xml><?xml version="1.0" encoding="utf-8"?>
+<p:sld xmlns:a="http://schemas.openxmlformats.org/drawingml/2006/main" xmlns:r="http://schemas.openxmlformats.org/officeDocument/2006/relationships" xmlns:p="http://schemas.openxmlformats.org/presentationml/2006/main">
+  <p:cSld>
+    <p:spTree>
+      <p:nvGrpSpPr>
+        <p:cNvPr id="1" name=""/>
+        <p:cNvGrpSpPr/>
+        <p:nvPr/>
+      </p:nvGrpSpPr>
+      <p:grpSpPr>
+        <a:xfrm>
+          <a:off x="0" y="0"/>
+          <a:ext cx="0" cy="0"/>
+          <a:chOff x="0" y="0"/>
+          <a:chExt cx="0" cy="0"/>
+        </a:xfrm>
+      </p:grpSpPr>
+      <p:sp>
+        <p:nvSpPr>
+          <p:cNvPr id="9" name="Textfeld 8">
+            <a:extLst>
+              <a:ext uri="{FF2B5EF4-FFF2-40B4-BE49-F238E27FC236}">
+                <a16:creationId xmlns:a16="http://schemas.microsoft.com/office/drawing/2014/main" id="{99EF8AE6-2CAB-42B6-ADF7-989657C39A05}"/>
+              </a:ext>
+            </a:extLst>
+          </p:cNvPr>
+          <p:cNvSpPr txBox="1"/>
+          <p:nvPr/>
+        </p:nvSpPr>
+        <p:spPr>
+          <a:xfrm>
+            <a:off x="411891" y="197937"/>
+            <a:ext cx="7672259" cy="923330"/>
+          </a:xfrm>
+          <a:prstGeom prst="rect">
+            <a:avLst/>
+          </a:prstGeom>
+          <a:noFill/>
+        </p:spPr>
+        <p:txBody>
+          <a:bodyPr wrap="square" rtlCol="0">
+            <a:spAutoFit/>
+          </a:bodyPr>
+          <a:lstStyle/>
+          <a:p>
+            <a:r>
+              <a:rPr lang="de-DE" sz="5400" b="1" dirty="0">
+                <a:solidFill>
+                  <a:srgbClr val="5C5D8D"/>
+                </a:solidFill>
+              </a:rPr>
+              <a:t>Logistische Regression</a:t>
+            </a:r>
+          </a:p>
+        </p:txBody>
+      </p:sp>
+      <p:sp>
+        <p:nvSpPr>
+          <p:cNvPr id="10" name="Textfeld 9">
+            <a:extLst>
+              <a:ext uri="{FF2B5EF4-FFF2-40B4-BE49-F238E27FC236}">
+                <a16:creationId xmlns:a16="http://schemas.microsoft.com/office/drawing/2014/main" id="{8FB7EB10-123C-4822-A7C3-B3A38E843864}"/>
+              </a:ext>
+            </a:extLst>
+          </p:cNvPr>
+          <p:cNvSpPr txBox="1"/>
+          <p:nvPr/>
+        </p:nvSpPr>
+        <p:spPr>
+          <a:xfrm>
+            <a:off x="411891" y="1154664"/>
+            <a:ext cx="8381380" cy="2246769"/>
+          </a:xfrm>
+          <a:prstGeom prst="rect">
+            <a:avLst/>
+          </a:prstGeom>
+          <a:noFill/>
+        </p:spPr>
+        <p:txBody>
+          <a:bodyPr wrap="square" rtlCol="0">
+            <a:spAutoFit/>
+          </a:bodyPr>
+          <a:lstStyle/>
+          <a:p>
+            <a:pPr marL="457200" indent="-457200">
+              <a:buFont typeface="Arial" panose="020B0604020202020204" pitchFamily="34" charset="0"/>
+              <a:buChar char="•"/>
+            </a:pPr>
+            <a:r>
+              <a:rPr lang="de-DE" sz="2800" dirty="0">
+                <a:solidFill>
+                  <a:srgbClr val="5C5D8D"/>
+                </a:solidFill>
+              </a:rPr>
+              <a:t>Hier: Binäre logistische Regression (betrachten zwei Ausprägungen)</a:t>
+            </a:r>
+          </a:p>
+          <a:p>
+            <a:pPr marL="457200" indent="-457200">
+              <a:buFont typeface="Arial" panose="020B0604020202020204" pitchFamily="34" charset="0"/>
+              <a:buChar char="•"/>
+            </a:pPr>
+            <a:r>
+              <a:rPr lang="de-DE" sz="2800" dirty="0">
+                <a:solidFill>
+                  <a:srgbClr val="5C5D8D"/>
+                </a:solidFill>
+              </a:rPr>
+              <a:t>Schätzung, wie wahrscheinlich es ist, dass der Messwert in die Kategorie „Anomalie“ oder „Keine Anomalie“ fällt</a:t>
+            </a:r>
+          </a:p>
+        </p:txBody>
+      </p:sp>
+    </p:spTree>
+    <p:extLst>
+      <p:ext uri="{BB962C8B-B14F-4D97-AF65-F5344CB8AC3E}">
+        <p14:creationId xmlns:p14="http://schemas.microsoft.com/office/powerpoint/2010/main" val="1647361431"/>
+      </p:ext>
+    </p:extLst>
+  </p:cSld>
+  <p:clrMapOvr>
+    <a:masterClrMapping/>
+  </p:clrMapOvr>
+</p:sld>
+</file>
+
 <file path=ppt/slides/slide2.xml><?xml version="1.0" encoding="utf-8"?>
 <p:sld xmlns:a="http://schemas.openxmlformats.org/drawingml/2006/main" xmlns:r="http://schemas.openxmlformats.org/officeDocument/2006/relationships" xmlns:p="http://schemas.openxmlformats.org/presentationml/2006/main">
   <p:cSld>
@@ -6230,6 +6569,777 @@
     <p:extLst>
       <p:ext uri="{BB962C8B-B14F-4D97-AF65-F5344CB8AC3E}">
         <p14:creationId xmlns:p14="http://schemas.microsoft.com/office/powerpoint/2010/main" val="3950669873"/>
+      </p:ext>
+    </p:extLst>
+  </p:cSld>
+  <p:clrMapOvr>
+    <a:masterClrMapping/>
+  </p:clrMapOvr>
+</p:sld>
+</file>
+
+<file path=ppt/slides/slide5.xml><?xml version="1.0" encoding="utf-8"?>
+<p:sld xmlns:a="http://schemas.openxmlformats.org/drawingml/2006/main" xmlns:r="http://schemas.openxmlformats.org/officeDocument/2006/relationships" xmlns:p="http://schemas.openxmlformats.org/presentationml/2006/main">
+  <p:cSld>
+    <p:spTree>
+      <p:nvGrpSpPr>
+        <p:cNvPr id="1" name=""/>
+        <p:cNvGrpSpPr/>
+        <p:nvPr/>
+      </p:nvGrpSpPr>
+      <p:grpSpPr>
+        <a:xfrm>
+          <a:off x="0" y="0"/>
+          <a:ext cx="0" cy="0"/>
+          <a:chOff x="0" y="0"/>
+          <a:chExt cx="0" cy="0"/>
+        </a:xfrm>
+      </p:grpSpPr>
+      <p:sp>
+        <p:nvSpPr>
+          <p:cNvPr id="9" name="Textfeld 8">
+            <a:extLst>
+              <a:ext uri="{FF2B5EF4-FFF2-40B4-BE49-F238E27FC236}">
+                <a16:creationId xmlns:a16="http://schemas.microsoft.com/office/drawing/2014/main" id="{99EF8AE6-2CAB-42B6-ADF7-989657C39A05}"/>
+              </a:ext>
+            </a:extLst>
+          </p:cNvPr>
+          <p:cNvSpPr txBox="1"/>
+          <p:nvPr/>
+        </p:nvSpPr>
+        <p:spPr>
+          <a:xfrm>
+            <a:off x="411891" y="197937"/>
+            <a:ext cx="7672259" cy="923330"/>
+          </a:xfrm>
+          <a:prstGeom prst="rect">
+            <a:avLst/>
+          </a:prstGeom>
+          <a:noFill/>
+        </p:spPr>
+        <p:txBody>
+          <a:bodyPr wrap="square" rtlCol="0">
+            <a:spAutoFit/>
+          </a:bodyPr>
+          <a:lstStyle/>
+          <a:p>
+            <a:r>
+              <a:rPr lang="de-DE" sz="5400" b="1" dirty="0">
+                <a:solidFill>
+                  <a:srgbClr val="5C5D8D"/>
+                </a:solidFill>
+              </a:rPr>
+              <a:t>Anomalie </a:t>
+            </a:r>
+          </a:p>
+        </p:txBody>
+      </p:sp>
+      <p:sp>
+        <p:nvSpPr>
+          <p:cNvPr id="10" name="Textfeld 9">
+            <a:extLst>
+              <a:ext uri="{FF2B5EF4-FFF2-40B4-BE49-F238E27FC236}">
+                <a16:creationId xmlns:a16="http://schemas.microsoft.com/office/drawing/2014/main" id="{8FB7EB10-123C-4822-A7C3-B3A38E843864}"/>
+              </a:ext>
+            </a:extLst>
+          </p:cNvPr>
+          <p:cNvSpPr txBox="1"/>
+          <p:nvPr/>
+        </p:nvSpPr>
+        <p:spPr>
+          <a:xfrm>
+            <a:off x="411891" y="1154664"/>
+            <a:ext cx="8381380" cy="1384995"/>
+          </a:xfrm>
+          <a:prstGeom prst="rect">
+            <a:avLst/>
+          </a:prstGeom>
+          <a:noFill/>
+        </p:spPr>
+        <p:txBody>
+          <a:bodyPr wrap="square" rtlCol="0">
+            <a:spAutoFit/>
+          </a:bodyPr>
+          <a:lstStyle/>
+          <a:p>
+            <a:r>
+              <a:rPr lang="de-DE" sz="2800" dirty="0">
+                <a:solidFill>
+                  <a:srgbClr val="5C5D8D"/>
+                </a:solidFill>
+              </a:rPr>
+              <a:t>Definition</a:t>
+            </a:r>
+          </a:p>
+          <a:p>
+            <a:pPr marL="457200" indent="-457200">
+              <a:buFont typeface="Arial" panose="020B0604020202020204" pitchFamily="34" charset="0"/>
+              <a:buChar char="•"/>
+            </a:pPr>
+            <a:r>
+              <a:rPr lang="de-DE" sz="2800" dirty="0">
+                <a:solidFill>
+                  <a:srgbClr val="5C5D8D"/>
+                </a:solidFill>
+              </a:rPr>
+              <a:t>„Abweichung vom Normalen; Abnormität“</a:t>
+            </a:r>
+          </a:p>
+          <a:p>
+            <a:r>
+              <a:rPr lang="de-DE" sz="2800" dirty="0">
+                <a:solidFill>
+                  <a:srgbClr val="5C5D8D"/>
+                </a:solidFill>
+              </a:rPr>
+              <a:t>      (Definition nach Duden)</a:t>
+            </a:r>
+          </a:p>
+        </p:txBody>
+      </p:sp>
+    </p:spTree>
+    <p:extLst>
+      <p:ext uri="{BB962C8B-B14F-4D97-AF65-F5344CB8AC3E}">
+        <p14:creationId xmlns:p14="http://schemas.microsoft.com/office/powerpoint/2010/main" val="952008421"/>
+      </p:ext>
+    </p:extLst>
+  </p:cSld>
+  <p:clrMapOvr>
+    <a:masterClrMapping/>
+  </p:clrMapOvr>
+</p:sld>
+</file>
+
+<file path=ppt/slides/slide6.xml><?xml version="1.0" encoding="utf-8"?>
+<p:sld xmlns:a="http://schemas.openxmlformats.org/drawingml/2006/main" xmlns:r="http://schemas.openxmlformats.org/officeDocument/2006/relationships" xmlns:p="http://schemas.openxmlformats.org/presentationml/2006/main">
+  <p:cSld>
+    <p:spTree>
+      <p:nvGrpSpPr>
+        <p:cNvPr id="1" name=""/>
+        <p:cNvGrpSpPr/>
+        <p:nvPr/>
+      </p:nvGrpSpPr>
+      <p:grpSpPr>
+        <a:xfrm>
+          <a:off x="0" y="0"/>
+          <a:ext cx="0" cy="0"/>
+          <a:chOff x="0" y="0"/>
+          <a:chExt cx="0" cy="0"/>
+        </a:xfrm>
+      </p:grpSpPr>
+      <p:sp>
+        <p:nvSpPr>
+          <p:cNvPr id="9" name="Textfeld 8">
+            <a:extLst>
+              <a:ext uri="{FF2B5EF4-FFF2-40B4-BE49-F238E27FC236}">
+                <a16:creationId xmlns:a16="http://schemas.microsoft.com/office/drawing/2014/main" id="{99EF8AE6-2CAB-42B6-ADF7-989657C39A05}"/>
+              </a:ext>
+            </a:extLst>
+          </p:cNvPr>
+          <p:cNvSpPr txBox="1"/>
+          <p:nvPr/>
+        </p:nvSpPr>
+        <p:spPr>
+          <a:xfrm>
+            <a:off x="411891" y="197937"/>
+            <a:ext cx="7672259" cy="923330"/>
+          </a:xfrm>
+          <a:prstGeom prst="rect">
+            <a:avLst/>
+          </a:prstGeom>
+          <a:noFill/>
+        </p:spPr>
+        <p:txBody>
+          <a:bodyPr wrap="square" rtlCol="0">
+            <a:spAutoFit/>
+          </a:bodyPr>
+          <a:lstStyle/>
+          <a:p>
+            <a:r>
+              <a:rPr lang="de-DE" sz="5400" b="1" dirty="0">
+                <a:solidFill>
+                  <a:srgbClr val="5C5D8D"/>
+                </a:solidFill>
+              </a:rPr>
+              <a:t>Prozesstechnik</a:t>
+            </a:r>
+          </a:p>
+        </p:txBody>
+      </p:sp>
+      <p:sp>
+        <p:nvSpPr>
+          <p:cNvPr id="10" name="Textfeld 9">
+            <a:extLst>
+              <a:ext uri="{FF2B5EF4-FFF2-40B4-BE49-F238E27FC236}">
+                <a16:creationId xmlns:a16="http://schemas.microsoft.com/office/drawing/2014/main" id="{8FB7EB10-123C-4822-A7C3-B3A38E843864}"/>
+              </a:ext>
+            </a:extLst>
+          </p:cNvPr>
+          <p:cNvSpPr txBox="1"/>
+          <p:nvPr/>
+        </p:nvSpPr>
+        <p:spPr>
+          <a:xfrm>
+            <a:off x="411891" y="1154664"/>
+            <a:ext cx="8381380" cy="2677656"/>
+          </a:xfrm>
+          <a:prstGeom prst="rect">
+            <a:avLst/>
+          </a:prstGeom>
+          <a:noFill/>
+        </p:spPr>
+        <p:txBody>
+          <a:bodyPr wrap="square" rtlCol="0">
+            <a:spAutoFit/>
+          </a:bodyPr>
+          <a:lstStyle/>
+          <a:p>
+            <a:r>
+              <a:rPr lang="de-DE" sz="2800" dirty="0">
+                <a:solidFill>
+                  <a:srgbClr val="5C5D8D"/>
+                </a:solidFill>
+              </a:rPr>
+              <a:t>Definition</a:t>
+            </a:r>
+          </a:p>
+          <a:p>
+            <a:pPr marL="457200" indent="-457200">
+              <a:buFont typeface="Arial" panose="020B0604020202020204" pitchFamily="34" charset="0"/>
+              <a:buChar char="•"/>
+            </a:pPr>
+            <a:r>
+              <a:rPr lang="de-DE" sz="2800" dirty="0">
+                <a:solidFill>
+                  <a:srgbClr val="5C5D8D"/>
+                </a:solidFill>
+              </a:rPr>
+              <a:t>„Gebiet der Technik, das sich mit der Planung, Messung, Steuerung, Regelung und Kontrolle, allgemein mit dem Management und der Durchführung von technischen Prozessen befasst.“ (Definition nach Brockhaus)</a:t>
+            </a:r>
+          </a:p>
+        </p:txBody>
+      </p:sp>
+    </p:spTree>
+    <p:extLst>
+      <p:ext uri="{BB962C8B-B14F-4D97-AF65-F5344CB8AC3E}">
+        <p14:creationId xmlns:p14="http://schemas.microsoft.com/office/powerpoint/2010/main" val="2438010110"/>
+      </p:ext>
+    </p:extLst>
+  </p:cSld>
+  <p:clrMapOvr>
+    <a:masterClrMapping/>
+  </p:clrMapOvr>
+</p:sld>
+</file>
+
+<file path=ppt/slides/slide7.xml><?xml version="1.0" encoding="utf-8"?>
+<p:sld xmlns:a="http://schemas.openxmlformats.org/drawingml/2006/main" xmlns:r="http://schemas.openxmlformats.org/officeDocument/2006/relationships" xmlns:p="http://schemas.openxmlformats.org/presentationml/2006/main">
+  <p:cSld>
+    <p:spTree>
+      <p:nvGrpSpPr>
+        <p:cNvPr id="1" name=""/>
+        <p:cNvGrpSpPr/>
+        <p:nvPr/>
+      </p:nvGrpSpPr>
+      <p:grpSpPr>
+        <a:xfrm>
+          <a:off x="0" y="0"/>
+          <a:ext cx="0" cy="0"/>
+          <a:chOff x="0" y="0"/>
+          <a:chExt cx="0" cy="0"/>
+        </a:xfrm>
+      </p:grpSpPr>
+      <p:sp>
+        <p:nvSpPr>
+          <p:cNvPr id="9" name="Textfeld 8">
+            <a:extLst>
+              <a:ext uri="{FF2B5EF4-FFF2-40B4-BE49-F238E27FC236}">
+                <a16:creationId xmlns:a16="http://schemas.microsoft.com/office/drawing/2014/main" id="{99EF8AE6-2CAB-42B6-ADF7-989657C39A05}"/>
+              </a:ext>
+            </a:extLst>
+          </p:cNvPr>
+          <p:cNvSpPr txBox="1"/>
+          <p:nvPr/>
+        </p:nvSpPr>
+        <p:spPr>
+          <a:xfrm>
+            <a:off x="411891" y="197937"/>
+            <a:ext cx="7672259" cy="923330"/>
+          </a:xfrm>
+          <a:prstGeom prst="rect">
+            <a:avLst/>
+          </a:prstGeom>
+          <a:noFill/>
+        </p:spPr>
+        <p:txBody>
+          <a:bodyPr wrap="square" rtlCol="0">
+            <a:spAutoFit/>
+          </a:bodyPr>
+          <a:lstStyle/>
+          <a:p>
+            <a:r>
+              <a:rPr lang="de-DE" sz="5400" b="1" dirty="0">
+                <a:solidFill>
+                  <a:srgbClr val="5C5D8D"/>
+                </a:solidFill>
+              </a:rPr>
+              <a:t>Prozesstechnische Anlage</a:t>
+            </a:r>
+          </a:p>
+        </p:txBody>
+      </p:sp>
+      <p:sp>
+        <p:nvSpPr>
+          <p:cNvPr id="10" name="Textfeld 9">
+            <a:extLst>
+              <a:ext uri="{FF2B5EF4-FFF2-40B4-BE49-F238E27FC236}">
+                <a16:creationId xmlns:a16="http://schemas.microsoft.com/office/drawing/2014/main" id="{8FB7EB10-123C-4822-A7C3-B3A38E843864}"/>
+              </a:ext>
+            </a:extLst>
+          </p:cNvPr>
+          <p:cNvSpPr txBox="1"/>
+          <p:nvPr/>
+        </p:nvSpPr>
+        <p:spPr>
+          <a:xfrm>
+            <a:off x="411891" y="1154664"/>
+            <a:ext cx="8381380" cy="4401205"/>
+          </a:xfrm>
+          <a:prstGeom prst="rect">
+            <a:avLst/>
+          </a:prstGeom>
+          <a:noFill/>
+        </p:spPr>
+        <p:txBody>
+          <a:bodyPr wrap="square" rtlCol="0">
+            <a:spAutoFit/>
+          </a:bodyPr>
+          <a:lstStyle/>
+          <a:p>
+            <a:r>
+              <a:rPr lang="de-DE" sz="2800" dirty="0">
+                <a:solidFill>
+                  <a:srgbClr val="5C5D8D"/>
+                </a:solidFill>
+              </a:rPr>
+              <a:t>Beschreibung</a:t>
+            </a:r>
+          </a:p>
+          <a:p>
+            <a:pPr marL="457200" indent="-457200">
+              <a:buFont typeface="Arial" panose="020B0604020202020204" pitchFamily="34" charset="0"/>
+              <a:buChar char="•"/>
+            </a:pPr>
+            <a:r>
+              <a:rPr lang="de-DE" sz="2800" dirty="0" err="1">
+                <a:solidFill>
+                  <a:srgbClr val="5C5D8D"/>
+                </a:solidFill>
+              </a:rPr>
+              <a:t>Four</a:t>
+            </a:r>
+            <a:r>
+              <a:rPr lang="de-DE" sz="2800" dirty="0">
+                <a:solidFill>
+                  <a:srgbClr val="5C5D8D"/>
+                </a:solidFill>
+              </a:rPr>
+              <a:t>-Tank-Batch Prozess</a:t>
+            </a:r>
+          </a:p>
+          <a:p>
+            <a:pPr marL="457200" indent="-457200">
+              <a:buFont typeface="Arial" panose="020B0604020202020204" pitchFamily="34" charset="0"/>
+              <a:buChar char="•"/>
+            </a:pPr>
+            <a:r>
+              <a:rPr lang="de-DE" sz="2800" dirty="0">
+                <a:solidFill>
+                  <a:srgbClr val="5C5D8D"/>
+                </a:solidFill>
+              </a:rPr>
+              <a:t>Forschungsanlage „Smart Automation“ (</a:t>
+            </a:r>
+            <a:r>
+              <a:rPr lang="de-DE" sz="2800" dirty="0" err="1">
+                <a:solidFill>
+                  <a:srgbClr val="5C5D8D"/>
+                </a:solidFill>
+              </a:rPr>
+              <a:t>SmA</a:t>
+            </a:r>
+            <a:r>
+              <a:rPr lang="de-DE" sz="2800" dirty="0">
+                <a:solidFill>
+                  <a:srgbClr val="5C5D8D"/>
+                </a:solidFill>
+              </a:rPr>
+              <a:t>)</a:t>
+            </a:r>
+          </a:p>
+          <a:p>
+            <a:pPr marL="457200" indent="-457200">
+              <a:buFont typeface="Arial" panose="020B0604020202020204" pitchFamily="34" charset="0"/>
+              <a:buChar char="•"/>
+            </a:pPr>
+            <a:r>
+              <a:rPr lang="de-DE" sz="2800" dirty="0">
+                <a:solidFill>
+                  <a:srgbClr val="5C5D8D"/>
+                </a:solidFill>
+              </a:rPr>
+              <a:t>Prozessanlage für Forschungsthemen aus diversen Bereichen</a:t>
+            </a:r>
+          </a:p>
+          <a:p>
+            <a:pPr marL="457200" indent="-457200">
+              <a:buFont typeface="Arial" panose="020B0604020202020204" pitchFamily="34" charset="0"/>
+              <a:buChar char="•"/>
+            </a:pPr>
+            <a:r>
+              <a:rPr lang="de-DE" sz="2800" dirty="0">
+                <a:solidFill>
+                  <a:srgbClr val="5C5D8D"/>
+                </a:solidFill>
+              </a:rPr>
+              <a:t>Verfügt über vier Tanks</a:t>
+            </a:r>
+          </a:p>
+          <a:p>
+            <a:pPr marL="457200" indent="-457200">
+              <a:buFont typeface="Arial" panose="020B0604020202020204" pitchFamily="34" charset="0"/>
+              <a:buChar char="•"/>
+            </a:pPr>
+            <a:endParaRPr lang="de-DE" sz="2800" dirty="0">
+              <a:solidFill>
+                <a:srgbClr val="5C5D8D"/>
+              </a:solidFill>
+            </a:endParaRPr>
+          </a:p>
+          <a:p>
+            <a:pPr marL="457200" indent="-457200">
+              <a:buFont typeface="Arial" panose="020B0604020202020204" pitchFamily="34" charset="0"/>
+              <a:buChar char="•"/>
+            </a:pPr>
+            <a:r>
+              <a:rPr lang="de-DE" sz="2800" dirty="0">
+                <a:solidFill>
+                  <a:srgbClr val="5C5D8D"/>
+                </a:solidFill>
+              </a:rPr>
+              <a:t>Pumpt Wasser aus einem Vorratstank in drei Tanks</a:t>
+            </a:r>
+          </a:p>
+          <a:p>
+            <a:pPr marL="457200" indent="-457200">
+              <a:buFont typeface="Arial" panose="020B0604020202020204" pitchFamily="34" charset="0"/>
+              <a:buChar char="•"/>
+            </a:pPr>
+            <a:r>
+              <a:rPr lang="de-DE" sz="2800" dirty="0">
+                <a:solidFill>
+                  <a:srgbClr val="5C5D8D"/>
+                </a:solidFill>
+              </a:rPr>
+              <a:t>Steuerung mittels sequentiellen Flussdiagramms </a:t>
+            </a:r>
+          </a:p>
+          <a:p>
+            <a:pPr marL="457200" indent="-457200">
+              <a:buFont typeface="Arial" panose="020B0604020202020204" pitchFamily="34" charset="0"/>
+              <a:buChar char="•"/>
+            </a:pPr>
+            <a:endParaRPr lang="de-DE" sz="2800" dirty="0">
+              <a:solidFill>
+                <a:srgbClr val="5C5D8D"/>
+              </a:solidFill>
+            </a:endParaRPr>
+          </a:p>
+        </p:txBody>
+      </p:sp>
+    </p:spTree>
+    <p:extLst>
+      <p:ext uri="{BB962C8B-B14F-4D97-AF65-F5344CB8AC3E}">
+        <p14:creationId xmlns:p14="http://schemas.microsoft.com/office/powerpoint/2010/main" val="2158179339"/>
+      </p:ext>
+    </p:extLst>
+  </p:cSld>
+  <p:clrMapOvr>
+    <a:masterClrMapping/>
+  </p:clrMapOvr>
+</p:sld>
+</file>
+
+<file path=ppt/slides/slide8.xml><?xml version="1.0" encoding="utf-8"?>
+<p:sld xmlns:a="http://schemas.openxmlformats.org/drawingml/2006/main" xmlns:r="http://schemas.openxmlformats.org/officeDocument/2006/relationships" xmlns:p="http://schemas.openxmlformats.org/presentationml/2006/main">
+  <p:cSld>
+    <p:spTree>
+      <p:nvGrpSpPr>
+        <p:cNvPr id="1" name=""/>
+        <p:cNvGrpSpPr/>
+        <p:nvPr/>
+      </p:nvGrpSpPr>
+      <p:grpSpPr>
+        <a:xfrm>
+          <a:off x="0" y="0"/>
+          <a:ext cx="0" cy="0"/>
+          <a:chOff x="0" y="0"/>
+          <a:chExt cx="0" cy="0"/>
+        </a:xfrm>
+      </p:grpSpPr>
+      <p:pic>
+        <p:nvPicPr>
+          <p:cNvPr id="4" name="Grafik 3">
+            <a:extLst>
+              <a:ext uri="{FF2B5EF4-FFF2-40B4-BE49-F238E27FC236}">
+                <a16:creationId xmlns:a16="http://schemas.microsoft.com/office/drawing/2014/main" id="{3AAE3454-A893-4BE2-9BD4-A571073DAD2B}"/>
+              </a:ext>
+            </a:extLst>
+          </p:cNvPr>
+          <p:cNvPicPr>
+            <a:picLocks noChangeAspect="1"/>
+          </p:cNvPicPr>
+          <p:nvPr/>
+        </p:nvPicPr>
+        <p:blipFill rotWithShape="1">
+          <a:blip r:embed="rId2"/>
+          <a:srcRect l="6088" r="11094"/>
+          <a:stretch/>
+        </p:blipFill>
+        <p:spPr>
+          <a:xfrm>
+            <a:off x="2752725" y="0"/>
+            <a:ext cx="6305550" cy="6858000"/>
+          </a:xfrm>
+          <a:prstGeom prst="rect">
+            <a:avLst/>
+          </a:prstGeom>
+        </p:spPr>
+      </p:pic>
+    </p:spTree>
+    <p:extLst>
+      <p:ext uri="{BB962C8B-B14F-4D97-AF65-F5344CB8AC3E}">
+        <p14:creationId xmlns:p14="http://schemas.microsoft.com/office/powerpoint/2010/main" val="2554844030"/>
+      </p:ext>
+    </p:extLst>
+  </p:cSld>
+  <p:clrMapOvr>
+    <a:masterClrMapping/>
+  </p:clrMapOvr>
+</p:sld>
+</file>
+
+<file path=ppt/slides/slide9.xml><?xml version="1.0" encoding="utf-8"?>
+<p:sld xmlns:a="http://schemas.openxmlformats.org/drawingml/2006/main" xmlns:r="http://schemas.openxmlformats.org/officeDocument/2006/relationships" xmlns:p="http://schemas.openxmlformats.org/presentationml/2006/main">
+  <p:cSld>
+    <p:spTree>
+      <p:nvGrpSpPr>
+        <p:cNvPr id="1" name=""/>
+        <p:cNvGrpSpPr/>
+        <p:nvPr/>
+      </p:nvGrpSpPr>
+      <p:grpSpPr>
+        <a:xfrm>
+          <a:off x="0" y="0"/>
+          <a:ext cx="0" cy="0"/>
+          <a:chOff x="0" y="0"/>
+          <a:chExt cx="0" cy="0"/>
+        </a:xfrm>
+      </p:grpSpPr>
+      <p:sp>
+        <p:nvSpPr>
+          <p:cNvPr id="9" name="Textfeld 8">
+            <a:extLst>
+              <a:ext uri="{FF2B5EF4-FFF2-40B4-BE49-F238E27FC236}">
+                <a16:creationId xmlns:a16="http://schemas.microsoft.com/office/drawing/2014/main" id="{99EF8AE6-2CAB-42B6-ADF7-989657C39A05}"/>
+              </a:ext>
+            </a:extLst>
+          </p:cNvPr>
+          <p:cNvSpPr txBox="1"/>
+          <p:nvPr/>
+        </p:nvSpPr>
+        <p:spPr>
+          <a:xfrm>
+            <a:off x="411891" y="197937"/>
+            <a:ext cx="7672259" cy="923330"/>
+          </a:xfrm>
+          <a:prstGeom prst="rect">
+            <a:avLst/>
+          </a:prstGeom>
+          <a:noFill/>
+        </p:spPr>
+        <p:txBody>
+          <a:bodyPr wrap="square" rtlCol="0">
+            <a:spAutoFit/>
+          </a:bodyPr>
+          <a:lstStyle/>
+          <a:p>
+            <a:r>
+              <a:rPr lang="de-DE" sz="5400" b="1" dirty="0" err="1">
+                <a:solidFill>
+                  <a:srgbClr val="5C5D8D"/>
+                </a:solidFill>
+              </a:rPr>
+              <a:t>Decision</a:t>
+            </a:r>
+            <a:r>
+              <a:rPr lang="de-DE" sz="5400" b="1" dirty="0">
+                <a:solidFill>
+                  <a:srgbClr val="5C5D8D"/>
+                </a:solidFill>
+              </a:rPr>
+              <a:t> </a:t>
+            </a:r>
+            <a:r>
+              <a:rPr lang="de-DE" sz="5400" b="1" dirty="0" err="1">
+                <a:solidFill>
+                  <a:srgbClr val="5C5D8D"/>
+                </a:solidFill>
+              </a:rPr>
+              <a:t>Tree</a:t>
+            </a:r>
+            <a:endParaRPr lang="de-DE" sz="5400" b="1" dirty="0">
+              <a:solidFill>
+                <a:srgbClr val="5C5D8D"/>
+              </a:solidFill>
+            </a:endParaRPr>
+          </a:p>
+        </p:txBody>
+      </p:sp>
+      <p:sp>
+        <p:nvSpPr>
+          <p:cNvPr id="10" name="Textfeld 9">
+            <a:extLst>
+              <a:ext uri="{FF2B5EF4-FFF2-40B4-BE49-F238E27FC236}">
+                <a16:creationId xmlns:a16="http://schemas.microsoft.com/office/drawing/2014/main" id="{8FB7EB10-123C-4822-A7C3-B3A38E843864}"/>
+              </a:ext>
+            </a:extLst>
+          </p:cNvPr>
+          <p:cNvSpPr txBox="1"/>
+          <p:nvPr/>
+        </p:nvSpPr>
+        <p:spPr>
+          <a:xfrm>
+            <a:off x="411891" y="1154664"/>
+            <a:ext cx="8381380" cy="5262979"/>
+          </a:xfrm>
+          <a:prstGeom prst="rect">
+            <a:avLst/>
+          </a:prstGeom>
+          <a:noFill/>
+        </p:spPr>
+        <p:txBody>
+          <a:bodyPr wrap="square" rtlCol="0">
+            <a:spAutoFit/>
+          </a:bodyPr>
+          <a:lstStyle/>
+          <a:p>
+            <a:pPr marL="457200" indent="-457200">
+              <a:buFont typeface="Arial" panose="020B0604020202020204" pitchFamily="34" charset="0"/>
+              <a:buChar char="•"/>
+            </a:pPr>
+            <a:r>
+              <a:rPr lang="de-DE" sz="2800" dirty="0">
+                <a:solidFill>
+                  <a:srgbClr val="5C5D8D"/>
+                </a:solidFill>
+              </a:rPr>
+              <a:t>Spezielle Form eines gerichteten Graphens</a:t>
+            </a:r>
+          </a:p>
+          <a:p>
+            <a:pPr marL="457200" indent="-457200">
+              <a:buFont typeface="Arial" panose="020B0604020202020204" pitchFamily="34" charset="0"/>
+              <a:buChar char="•"/>
+            </a:pPr>
+            <a:r>
+              <a:rPr lang="de-DE" sz="2800" dirty="0">
+                <a:solidFill>
+                  <a:srgbClr val="5C5D8D"/>
+                </a:solidFill>
+              </a:rPr>
+              <a:t>Besteht aus Knoten und Kanten</a:t>
+            </a:r>
+          </a:p>
+          <a:p>
+            <a:endParaRPr lang="de-DE" sz="2800" dirty="0">
+              <a:solidFill>
+                <a:srgbClr val="5C5D8D"/>
+              </a:solidFill>
+            </a:endParaRPr>
+          </a:p>
+          <a:p>
+            <a:r>
+              <a:rPr lang="de-DE" sz="2800" dirty="0">
+                <a:solidFill>
+                  <a:srgbClr val="5C5D8D"/>
+                </a:solidFill>
+              </a:rPr>
+              <a:t>Training</a:t>
+            </a:r>
+          </a:p>
+          <a:p>
+            <a:pPr marL="457200" indent="-457200">
+              <a:buFont typeface="Arial" panose="020B0604020202020204" pitchFamily="34" charset="0"/>
+              <a:buChar char="•"/>
+            </a:pPr>
+            <a:r>
+              <a:rPr lang="de-DE" sz="2800" dirty="0">
+                <a:solidFill>
+                  <a:srgbClr val="5C5D8D"/>
+                </a:solidFill>
+              </a:rPr>
+              <a:t>Baumstruktur generieren, welche die beste Vorhersage auf den Trainingsdaten macht</a:t>
+            </a:r>
+          </a:p>
+          <a:p>
+            <a:pPr marL="457200" indent="-457200">
+              <a:buFont typeface="Arial" panose="020B0604020202020204" pitchFamily="34" charset="0"/>
+              <a:buChar char="•"/>
+            </a:pPr>
+            <a:r>
+              <a:rPr lang="de-DE" sz="2800" dirty="0">
+                <a:solidFill>
+                  <a:srgbClr val="5C5D8D"/>
+                </a:solidFill>
+              </a:rPr>
+              <a:t>An der Wurzel und jedem inneren Knoten wird ein Feature evaluiert</a:t>
+            </a:r>
+          </a:p>
+          <a:p>
+            <a:pPr marL="457200" indent="-457200">
+              <a:buFont typeface="Arial" panose="020B0604020202020204" pitchFamily="34" charset="0"/>
+              <a:buChar char="•"/>
+            </a:pPr>
+            <a:r>
+              <a:rPr lang="de-DE" sz="2800" dirty="0">
+                <a:solidFill>
+                  <a:srgbClr val="5C5D8D"/>
+                </a:solidFill>
+              </a:rPr>
+              <a:t>Je Ergebnis läuft die Evaluierung im linken oder rechten Teilbaum weiter</a:t>
+            </a:r>
+          </a:p>
+          <a:p>
+            <a:pPr marL="457200" indent="-457200">
+              <a:buFont typeface="Arial" panose="020B0604020202020204" pitchFamily="34" charset="0"/>
+              <a:buChar char="•"/>
+            </a:pPr>
+            <a:r>
+              <a:rPr lang="de-DE" sz="2800" dirty="0">
+                <a:solidFill>
+                  <a:srgbClr val="5C5D8D"/>
+                </a:solidFill>
+              </a:rPr>
+              <a:t>Ende: Wenn ein Blattknoten erreicht wurde; Wert im Blattknoten entspricht der Vorhersage</a:t>
+            </a:r>
+          </a:p>
+        </p:txBody>
+      </p:sp>
+    </p:spTree>
+    <p:extLst>
+      <p:ext uri="{BB962C8B-B14F-4D97-AF65-F5344CB8AC3E}">
+        <p14:creationId xmlns:p14="http://schemas.microsoft.com/office/powerpoint/2010/main" val="1511050089"/>
       </p:ext>
     </p:extLst>
   </p:cSld>
